--- a/BASDA_Introduction.pptx
+++ b/BASDA_Introduction.pptx
@@ -17,8 +17,8 @@
     <p:sldId id="288" r:id="rId12"/>
     <p:sldId id="301" r:id="rId13"/>
     <p:sldId id="305" r:id="rId14"/>
-    <p:sldId id="306" r:id="rId15"/>
-    <p:sldId id="303" r:id="rId16"/>
+    <p:sldId id="303" r:id="rId15"/>
+    <p:sldId id="306" r:id="rId16"/>
     <p:sldId id="259" r:id="rId17"/>
     <p:sldId id="313" r:id="rId18"/>
     <p:sldId id="307" r:id="rId19"/>
@@ -289,7 +289,7 @@
             <a:spLocks noGrp="1"/>
           </p:cNvSpPr>
           <p:nvPr>
-            <p:ph type="subTitle" idx="1" hasCustomPrompt="1"/>
+            <p:ph type="subTitle" idx="1"/>
           </p:nvPr>
         </p:nvSpPr>
         <p:spPr>
@@ -6981,6 +6981,236 @@
         <p:nvPr/>
       </p:nvGrpSpPr>
       <p:grpSpPr/>
+      <p:sp>
+        <p:nvSpPr>
+          <p:cNvPr id="2" name="Title 1"/>
+          <p:cNvSpPr>
+            <a:spLocks noGrp="1"/>
+          </p:cNvSpPr>
+          <p:nvPr>
+            <p:ph type="title"/>
+          </p:nvPr>
+        </p:nvSpPr>
+        <p:spPr/>
+        <p:txBody>
+          <a:bodyPr/>
+          <a:p>
+            <a:r>
+              <a:rPr lang="x-none" altLang="en-US"/>
+              <a:t>Event</a:t>
+            </a:r>
+            <a:endParaRPr lang="x-none" altLang="en-US"/>
+          </a:p>
+        </p:txBody>
+      </p:sp>
+      <p:pic>
+        <p:nvPicPr>
+          <p:cNvPr id="4" name="Content Placeholder 3"/>
+          <p:cNvPicPr>
+            <a:picLocks noChangeAspect="1"/>
+          </p:cNvPicPr>
+          <p:nvPr>
+            <p:ph idx="1"/>
+          </p:nvPr>
+        </p:nvPicPr>
+        <p:blipFill>
+          <a:blip r:embed="rId1"/>
+          <a:stretch>
+            <a:fillRect/>
+          </a:stretch>
+        </p:blipFill>
+        <p:spPr>
+          <a:xfrm>
+            <a:off x="2771775" y="1772920"/>
+            <a:ext cx="4615815" cy="1747520"/>
+          </a:xfrm>
+          <a:prstGeom prst="rect">
+            <a:avLst/>
+          </a:prstGeom>
+        </p:spPr>
+      </p:pic>
+      <p:sp>
+        <p:nvSpPr>
+          <p:cNvPr id="23" name="Title 1"/>
+          <p:cNvSpPr>
+            <a:spLocks noGrp="1"/>
+          </p:cNvSpPr>
+          <p:nvPr/>
+        </p:nvSpPr>
+        <p:spPr>
+          <a:xfrm>
+            <a:off x="1043940" y="4292600"/>
+            <a:ext cx="7930515" cy="1205230"/>
+          </a:xfrm>
+          <a:prstGeom prst="rect">
+            <a:avLst/>
+          </a:prstGeom>
+          <a:noFill/>
+          <a:ln w="9525">
+            <a:noFill/>
+            <a:miter/>
+          </a:ln>
+        </p:spPr>
+        <p:txBody>
+          <a:bodyPr anchor="ctr"/>
+          <a:lstStyle>
+            <a:lvl1pPr marL="0" lvl="0" indent="0" algn="l" defTabSz="914400" eaLnBrk="1" fontAlgn="base" latinLnBrk="0" hangingPunct="1">
+              <a:lnSpc>
+                <a:spcPct val="100000"/>
+              </a:lnSpc>
+              <a:spcBef>
+                <a:spcPct val="0"/>
+              </a:spcBef>
+              <a:spcAft>
+                <a:spcPct val="0"/>
+              </a:spcAft>
+              <a:buClr>
+                <a:srgbClr val="000000"/>
+              </a:buClr>
+              <a:buNone/>
+              <a:defRPr sz="3600" b="1" i="0" u="none" kern="1200" baseline="0">
+                <a:solidFill>
+                  <a:schemeClr val="tx2"/>
+                </a:solidFill>
+                <a:latin typeface="+mj-lt"/>
+                <a:ea typeface="+mj-ea"/>
+                <a:cs typeface="+mj-cs"/>
+              </a:defRPr>
+            </a:lvl1pPr>
+          </a:lstStyle>
+          <a:p>
+            <a:pPr marL="342900" indent="-342900">
+              <a:buAutoNum type="arabicPeriod"/>
+            </a:pPr>
+            <a:r>
+              <a:rPr lang="x-none" altLang="en-US" sz="1600">
+                <a:solidFill>
+                  <a:srgbClr val="FF0000"/>
+                </a:solidFill>
+              </a:rPr>
+              <a:t>when first =-1,  special=-1  =&gt; use all events</a:t>
+            </a:r>
+            <a:endParaRPr lang="x-none" altLang="en-US" sz="1600">
+              <a:solidFill>
+                <a:srgbClr val="FF0000"/>
+              </a:solidFill>
+            </a:endParaRPr>
+          </a:p>
+          <a:p>
+            <a:pPr marL="342900" indent="-342900">
+              <a:buAutoNum type="arabicPeriod"/>
+            </a:pPr>
+            <a:r>
+              <a:rPr lang="x-none" altLang="en-US" sz="1600">
+                <a:solidFill>
+                  <a:srgbClr val="FF0000"/>
+                </a:solidFill>
+                <a:sym typeface="+mn-ea"/>
+              </a:rPr>
+              <a:t>when first = n,  special=-1  =&gt; use first n events</a:t>
+            </a:r>
+            <a:endParaRPr lang="x-none" altLang="en-US" sz="1600">
+              <a:solidFill>
+                <a:srgbClr val="FF0000"/>
+              </a:solidFill>
+              <a:sym typeface="+mn-ea"/>
+            </a:endParaRPr>
+          </a:p>
+          <a:p>
+            <a:pPr marL="342900" indent="-342900">
+              <a:buAutoNum type="arabicPeriod"/>
+            </a:pPr>
+            <a:r>
+              <a:rPr lang="x-none" altLang="en-US" sz="1600">
+                <a:solidFill>
+                  <a:srgbClr val="FF0000"/>
+                </a:solidFill>
+                <a:sym typeface="+mn-ea"/>
+              </a:rPr>
+              <a:t>when first =-1,  special= n  =&gt; use the n-th event</a:t>
+            </a:r>
+            <a:endParaRPr lang="x-none" altLang="en-US" sz="1600">
+              <a:solidFill>
+                <a:srgbClr val="FF0000"/>
+              </a:solidFill>
+              <a:sym typeface="+mn-ea"/>
+            </a:endParaRPr>
+          </a:p>
+          <a:p>
+            <a:pPr marL="342900" indent="-342900">
+              <a:buAutoNum type="arabicPeriod"/>
+            </a:pPr>
+            <a:r>
+              <a:rPr lang="x-none" altLang="en-US" sz="1600">
+                <a:solidFill>
+                  <a:srgbClr val="FF0000"/>
+                </a:solidFill>
+                <a:sym typeface="+mn-ea"/>
+              </a:rPr>
+              <a:t>when first =n1, special=n2 =&gt;  use events from n1 to n2</a:t>
+            </a:r>
+            <a:endParaRPr lang="x-none" altLang="en-US" sz="1600">
+              <a:solidFill>
+                <a:srgbClr val="FF0000"/>
+              </a:solidFill>
+              <a:sym typeface="+mn-ea"/>
+            </a:endParaRPr>
+          </a:p>
+          <a:p>
+            <a:pPr marL="342900" indent="-342900">
+              <a:buAutoNum type="arabicPeriod"/>
+            </a:pPr>
+            <a:endParaRPr lang="x-none" altLang="en-US" sz="1600">
+              <a:solidFill>
+                <a:srgbClr val="FF0000"/>
+              </a:solidFill>
+              <a:sym typeface="+mn-ea"/>
+            </a:endParaRPr>
+          </a:p>
+          <a:p>
+            <a:r>
+              <a:rPr lang="x-none" altLang="en-US" sz="1600">
+                <a:solidFill>
+                  <a:srgbClr val="FF0000"/>
+                </a:solidFill>
+                <a:sym typeface="+mn-ea"/>
+              </a:rPr>
+              <a:t>where if n &gt; total events, n = total events, and n1 &lt; n2</a:t>
+            </a:r>
+            <a:endParaRPr lang="x-none" altLang="en-US" sz="1600">
+              <a:solidFill>
+                <a:srgbClr val="FF0000"/>
+              </a:solidFill>
+              <a:sym typeface="+mn-ea"/>
+            </a:endParaRPr>
+          </a:p>
+          <a:p>
+            <a:endParaRPr lang="x-none" altLang="en-US" sz="1600">
+              <a:solidFill>
+                <a:srgbClr val="FF0000"/>
+              </a:solidFill>
+            </a:endParaRPr>
+          </a:p>
+        </p:txBody>
+      </p:sp>
+    </p:spTree>
+  </p:cSld>
+  <p:clrMapOvr>
+    <a:masterClrMapping/>
+  </p:clrMapOvr>
+</p:sld>
+</file>
+
+<file path=ppt/slides/slide14.xml><?xml version="1.0" encoding="utf-8"?>
+<p:sld xmlns:a="http://schemas.openxmlformats.org/drawingml/2006/main" xmlns:r="http://schemas.openxmlformats.org/officeDocument/2006/relationships" xmlns:p="http://schemas.openxmlformats.org/presentationml/2006/main">
+  <p:cSld>
+    <p:spTree>
+      <p:nvGrpSpPr>
+        <p:cNvPr id="1" name=""/>
+        <p:cNvGrpSpPr/>
+        <p:nvPr/>
+      </p:nvGrpSpPr>
+      <p:grpSpPr/>
       <p:pic>
         <p:nvPicPr>
           <p:cNvPr id="10" name="Content Placeholder 9"/>
@@ -7562,236 +7792,6 @@
 </p:sld>
 </file>
 
-<file path=ppt/slides/slide14.xml><?xml version="1.0" encoding="utf-8"?>
-<p:sld xmlns:a="http://schemas.openxmlformats.org/drawingml/2006/main" xmlns:r="http://schemas.openxmlformats.org/officeDocument/2006/relationships" xmlns:p="http://schemas.openxmlformats.org/presentationml/2006/main">
-  <p:cSld>
-    <p:spTree>
-      <p:nvGrpSpPr>
-        <p:cNvPr id="1" name=""/>
-        <p:cNvGrpSpPr/>
-        <p:nvPr/>
-      </p:nvGrpSpPr>
-      <p:grpSpPr/>
-      <p:sp>
-        <p:nvSpPr>
-          <p:cNvPr id="2" name="Title 1"/>
-          <p:cNvSpPr>
-            <a:spLocks noGrp="1"/>
-          </p:cNvSpPr>
-          <p:nvPr>
-            <p:ph type="title"/>
-          </p:nvPr>
-        </p:nvSpPr>
-        <p:spPr/>
-        <p:txBody>
-          <a:bodyPr/>
-          <a:p>
-            <a:r>
-              <a:rPr lang="x-none" altLang="en-US"/>
-              <a:t>Event</a:t>
-            </a:r>
-            <a:endParaRPr lang="x-none" altLang="en-US"/>
-          </a:p>
-        </p:txBody>
-      </p:sp>
-      <p:pic>
-        <p:nvPicPr>
-          <p:cNvPr id="4" name="Content Placeholder 3"/>
-          <p:cNvPicPr>
-            <a:picLocks noChangeAspect="1"/>
-          </p:cNvPicPr>
-          <p:nvPr>
-            <p:ph idx="1"/>
-          </p:nvPr>
-        </p:nvPicPr>
-        <p:blipFill>
-          <a:blip r:embed="rId1"/>
-          <a:stretch>
-            <a:fillRect/>
-          </a:stretch>
-        </p:blipFill>
-        <p:spPr>
-          <a:xfrm>
-            <a:off x="2771775" y="1772920"/>
-            <a:ext cx="4615815" cy="1747520"/>
-          </a:xfrm>
-          <a:prstGeom prst="rect">
-            <a:avLst/>
-          </a:prstGeom>
-        </p:spPr>
-      </p:pic>
-      <p:sp>
-        <p:nvSpPr>
-          <p:cNvPr id="23" name="Title 1"/>
-          <p:cNvSpPr>
-            <a:spLocks noGrp="1"/>
-          </p:cNvSpPr>
-          <p:nvPr/>
-        </p:nvSpPr>
-        <p:spPr>
-          <a:xfrm>
-            <a:off x="1043940" y="4292600"/>
-            <a:ext cx="7930515" cy="1205230"/>
-          </a:xfrm>
-          <a:prstGeom prst="rect">
-            <a:avLst/>
-          </a:prstGeom>
-          <a:noFill/>
-          <a:ln w="9525">
-            <a:noFill/>
-            <a:miter/>
-          </a:ln>
-        </p:spPr>
-        <p:txBody>
-          <a:bodyPr anchor="ctr"/>
-          <a:lstStyle>
-            <a:lvl1pPr marL="0" lvl="0" indent="0" algn="l" defTabSz="914400" eaLnBrk="1" fontAlgn="base" latinLnBrk="0" hangingPunct="1">
-              <a:lnSpc>
-                <a:spcPct val="100000"/>
-              </a:lnSpc>
-              <a:spcBef>
-                <a:spcPct val="0"/>
-              </a:spcBef>
-              <a:spcAft>
-                <a:spcPct val="0"/>
-              </a:spcAft>
-              <a:buClr>
-                <a:srgbClr val="000000"/>
-              </a:buClr>
-              <a:buNone/>
-              <a:defRPr sz="3600" b="1" i="0" u="none" kern="1200" baseline="0">
-                <a:solidFill>
-                  <a:schemeClr val="tx2"/>
-                </a:solidFill>
-                <a:latin typeface="+mj-lt"/>
-                <a:ea typeface="+mj-ea"/>
-                <a:cs typeface="+mj-cs"/>
-              </a:defRPr>
-            </a:lvl1pPr>
-          </a:lstStyle>
-          <a:p>
-            <a:pPr marL="342900" indent="-342900">
-              <a:buAutoNum type="arabicPeriod"/>
-            </a:pPr>
-            <a:r>
-              <a:rPr lang="x-none" altLang="en-US" sz="1600">
-                <a:solidFill>
-                  <a:srgbClr val="FF0000"/>
-                </a:solidFill>
-              </a:rPr>
-              <a:t>when first =-1,  special=-1  =&gt; use all events</a:t>
-            </a:r>
-            <a:endParaRPr lang="x-none" altLang="en-US" sz="1600">
-              <a:solidFill>
-                <a:srgbClr val="FF0000"/>
-              </a:solidFill>
-            </a:endParaRPr>
-          </a:p>
-          <a:p>
-            <a:pPr marL="342900" indent="-342900">
-              <a:buAutoNum type="arabicPeriod"/>
-            </a:pPr>
-            <a:r>
-              <a:rPr lang="x-none" altLang="en-US" sz="1600">
-                <a:solidFill>
-                  <a:srgbClr val="FF0000"/>
-                </a:solidFill>
-                <a:sym typeface="+mn-ea"/>
-              </a:rPr>
-              <a:t>when first = n,  special=-1  =&gt; use first n events</a:t>
-            </a:r>
-            <a:endParaRPr lang="x-none" altLang="en-US" sz="1600">
-              <a:solidFill>
-                <a:srgbClr val="FF0000"/>
-              </a:solidFill>
-              <a:sym typeface="+mn-ea"/>
-            </a:endParaRPr>
-          </a:p>
-          <a:p>
-            <a:pPr marL="342900" indent="-342900">
-              <a:buAutoNum type="arabicPeriod"/>
-            </a:pPr>
-            <a:r>
-              <a:rPr lang="x-none" altLang="en-US" sz="1600">
-                <a:solidFill>
-                  <a:srgbClr val="FF0000"/>
-                </a:solidFill>
-                <a:sym typeface="+mn-ea"/>
-              </a:rPr>
-              <a:t>when first =-1,  special= n  =&gt; use the n-th event</a:t>
-            </a:r>
-            <a:endParaRPr lang="x-none" altLang="en-US" sz="1600">
-              <a:solidFill>
-                <a:srgbClr val="FF0000"/>
-              </a:solidFill>
-              <a:sym typeface="+mn-ea"/>
-            </a:endParaRPr>
-          </a:p>
-          <a:p>
-            <a:pPr marL="342900" indent="-342900">
-              <a:buAutoNum type="arabicPeriod"/>
-            </a:pPr>
-            <a:r>
-              <a:rPr lang="x-none" altLang="en-US" sz="1600">
-                <a:solidFill>
-                  <a:srgbClr val="FF0000"/>
-                </a:solidFill>
-                <a:sym typeface="+mn-ea"/>
-              </a:rPr>
-              <a:t>when first =n1, special=n2 =&gt;  use events from n1 to n2</a:t>
-            </a:r>
-            <a:endParaRPr lang="x-none" altLang="en-US" sz="1600">
-              <a:solidFill>
-                <a:srgbClr val="FF0000"/>
-              </a:solidFill>
-              <a:sym typeface="+mn-ea"/>
-            </a:endParaRPr>
-          </a:p>
-          <a:p>
-            <a:pPr marL="342900" indent="-342900">
-              <a:buAutoNum type="arabicPeriod"/>
-            </a:pPr>
-            <a:endParaRPr lang="x-none" altLang="en-US" sz="1600">
-              <a:solidFill>
-                <a:srgbClr val="FF0000"/>
-              </a:solidFill>
-              <a:sym typeface="+mn-ea"/>
-            </a:endParaRPr>
-          </a:p>
-          <a:p>
-            <a:r>
-              <a:rPr lang="x-none" altLang="en-US" sz="1600">
-                <a:solidFill>
-                  <a:srgbClr val="FF0000"/>
-                </a:solidFill>
-                <a:sym typeface="+mn-ea"/>
-              </a:rPr>
-              <a:t>where if n &gt; total events, n = total events, and n1 &lt; n2</a:t>
-            </a:r>
-            <a:endParaRPr lang="x-none" altLang="en-US" sz="1600">
-              <a:solidFill>
-                <a:srgbClr val="FF0000"/>
-              </a:solidFill>
-              <a:sym typeface="+mn-ea"/>
-            </a:endParaRPr>
-          </a:p>
-          <a:p>
-            <a:endParaRPr lang="x-none" altLang="en-US" sz="1600">
-              <a:solidFill>
-                <a:srgbClr val="FF0000"/>
-              </a:solidFill>
-            </a:endParaRPr>
-          </a:p>
-        </p:txBody>
-      </p:sp>
-    </p:spTree>
-  </p:cSld>
-  <p:clrMapOvr>
-    <a:masterClrMapping/>
-  </p:clrMapOvr>
-</p:sld>
-</file>
-
 <file path=ppt/slides/slide15.xml><?xml version="1.0" encoding="utf-8"?>
 <p:sld xmlns:a="http://schemas.openxmlformats.org/drawingml/2006/main" xmlns:r="http://schemas.openxmlformats.org/officeDocument/2006/relationships" xmlns:p="http://schemas.openxmlformats.org/presentationml/2006/main">
   <p:cSld>
@@ -11273,13 +11273,7 @@
               <a:rPr lang="x-none" altLang="en-US" sz="2400">
                 <a:sym typeface="+mn-ea"/>
               </a:rPr>
-              <a:t>different </a:t>
-            </a:r>
-            <a:r>
-              <a:rPr lang="x-none" altLang="en-US" sz="2400">
-                <a:sym typeface="+mn-ea"/>
-              </a:rPr>
-              <a:t>signal characters</a:t>
+              <a:t>different signal characters</a:t>
             </a:r>
             <a:endParaRPr lang="x-none" altLang="en-US" sz="2400">
               <a:sym typeface="+mn-ea"/>
@@ -11355,8 +11349,8 @@
         </p:blipFill>
         <p:spPr>
           <a:xfrm>
-            <a:off x="5652135" y="2565400"/>
-            <a:ext cx="2905760" cy="1960880"/>
+            <a:off x="5507990" y="2493010"/>
+            <a:ext cx="3199765" cy="2159635"/>
           </a:xfrm>
           <a:prstGeom prst="rect">
             <a:avLst/>
@@ -11379,7 +11373,7 @@
         </p:blipFill>
         <p:spPr>
           <a:xfrm>
-            <a:off x="5507990" y="4653280"/>
+            <a:off x="5507990" y="4796790"/>
             <a:ext cx="3186430" cy="1704975"/>
           </a:xfrm>
           <a:prstGeom prst="rect">
@@ -11421,7 +11415,7 @@
           <a:p>
             <a:r>
               <a:rPr lang="x-none" altLang="en-US"/>
-              <a:t>Future</a:t>
+              <a:t>Summary &amp; Future</a:t>
             </a:r>
             <a:endParaRPr lang="x-none" altLang="en-US"/>
           </a:p>
@@ -11443,6 +11437,16 @@
           <a:p>
             <a:r>
               <a:rPr lang="x-none" altLang="en-US"/>
+              <a:t>https://github.com/YancyW/BASDA</a:t>
+            </a:r>
+            <a:endParaRPr lang="x-none" altLang="en-US"/>
+          </a:p>
+          <a:p>
+            <a:endParaRPr lang="x-none" altLang="en-US"/>
+          </a:p>
+          <a:p>
+            <a:r>
+              <a:rPr lang="x-none" altLang="en-US"/>
               <a:t>update with smart pointor to increase steadiblity</a:t>
             </a:r>
             <a:endParaRPr lang="x-none" altLang="en-US"/>
@@ -11450,7 +11454,7 @@
           <a:p>
             <a:r>
               <a:rPr lang="x-none" altLang="en-US"/>
-              <a:t>provide more functions </a:t>
+              <a:t>provide more functions, e.g. statistic (wsmaker,nplot...).</a:t>
             </a:r>
             <a:endParaRPr lang="x-none" altLang="en-US"/>
           </a:p>
@@ -14968,7 +14972,7 @@
         </p:nvGrpSpPr>
         <p:grpSpPr>
           <a:xfrm>
-            <a:off x="6155690" y="4724400"/>
+            <a:off x="6227445" y="4725035"/>
             <a:ext cx="1362710" cy="841375"/>
             <a:chOff x="0" y="0"/>
             <a:chExt cx="6530" cy="2094"/>
@@ -21998,8 +22002,8 @@
           </p:nvSpPr>
           <p:spPr>
             <a:xfrm>
-              <a:off x="307" y="65"/>
-              <a:ext cx="1545" cy="1082"/>
+              <a:off x="182" y="69"/>
+              <a:ext cx="1843" cy="1082"/>
             </a:xfrm>
             <a:prstGeom prst="ellipse">
               <a:avLst/>
@@ -23890,30 +23894,6 @@
           </p:txBody>
         </p:sp>
       </p:grpSp>
-      <p:pic>
-        <p:nvPicPr>
-          <p:cNvPr id="4" name="Picture 3" descr="po_muon_kcut_recoil_mass_before"/>
-          <p:cNvPicPr>
-            <a:picLocks noChangeAspect="1"/>
-          </p:cNvPicPr>
-          <p:nvPr/>
-        </p:nvPicPr>
-        <p:blipFill>
-          <a:blip r:embed="rId1"/>
-          <a:stretch>
-            <a:fillRect/>
-          </a:stretch>
-        </p:blipFill>
-        <p:spPr>
-          <a:xfrm>
-            <a:off x="5507990" y="1124585"/>
-            <a:ext cx="3179445" cy="2146300"/>
-          </a:xfrm>
-          <a:prstGeom prst="rect">
-            <a:avLst/>
-          </a:prstGeom>
-        </p:spPr>
-      </p:pic>
       <p:sp>
         <p:nvSpPr>
           <p:cNvPr id="7" name="Text Box 6"/>
@@ -24303,6 +24283,30 @@
           </a:p>
         </p:txBody>
       </p:sp>
+      <p:pic>
+        <p:nvPicPr>
+          <p:cNvPr id="3" name="Picture 2" descr="po_muon_kcut_recoil_mass_before"/>
+          <p:cNvPicPr>
+            <a:picLocks noChangeAspect="1"/>
+          </p:cNvPicPr>
+          <p:nvPr/>
+        </p:nvPicPr>
+        <p:blipFill>
+          <a:blip r:embed="rId1"/>
+          <a:stretch>
+            <a:fillRect/>
+          </a:stretch>
+        </p:blipFill>
+        <p:spPr>
+          <a:xfrm>
+            <a:off x="5147945" y="981075"/>
+            <a:ext cx="3982085" cy="2687320"/>
+          </a:xfrm>
+          <a:prstGeom prst="rect">
+            <a:avLst/>
+          </a:prstGeom>
+        </p:spPr>
+      </p:pic>
     </p:spTree>
   </p:cSld>
   <p:clrMapOvr>
